--- a/GestaoFinancaPessoal/GestaoFinancaPessoal/Documentos/525/Entrega-01/casos_de_teste01.pptx
+++ b/GestaoFinancaPessoal/GestaoFinancaPessoal/Documentos/525/Entrega-01/casos_de_teste01.pptx
@@ -17771,7 +17771,7 @@
           <p:nvPr>
             <p:extLst>
               <p:ext uri="{D42A27DB-BD31-4B8C-83A1-F6EECF244321}">
-                <p14:modId xmlns:p14="http://schemas.microsoft.com/office/powerpoint/2010/main" val="2647769239"/>
+                <p14:modId xmlns:p14="http://schemas.microsoft.com/office/powerpoint/2010/main" val="3461458313"/>
               </p:ext>
             </p:extLst>
           </p:nvPr>
@@ -18124,7 +18124,7 @@
                           <a:ea typeface="DejaVu Sans" charset="0"/>
                           <a:cs typeface="DejaVu Sans" charset="0"/>
                         </a:rPr>
-                        <a:t>1. Escolher a opção “Suspender”</a:t>
+                        <a:t>1. Escolher a opção “excluir”</a:t>
                       </a:r>
                     </a:p>
                   </a:txBody>
@@ -18545,7 +18545,37 @@
                           <a:ea typeface="DejaVu Sans" charset="0"/>
                           <a:cs typeface="DejaVu Sans" charset="0"/>
                         </a:rPr>
-                        <a:t>seguinte mensagem: “Suspensa com sucesso!”.</a:t>
+                        <a:t>seguinte mensagem</a:t>
+                      </a:r>
+                      <a:r>
+                        <a:rPr kumimoji="0" lang="pt-BR" altLang="pt-BR" sz="1400" b="1" i="0" u="none" strike="noStrike" cap="none" normalizeH="0" baseline="0">
+                          <a:ln>
+                            <a:noFill/>
+                          </a:ln>
+                          <a:solidFill>
+                            <a:srgbClr val="000000"/>
+                          </a:solidFill>
+                          <a:effectLst/>
+                          <a:latin typeface="Tahoma" pitchFamily="34" charset="0"/>
+                          <a:ea typeface="DejaVu Sans" charset="0"/>
+                          <a:cs typeface="DejaVu Sans" charset="0"/>
+                        </a:rPr>
+                        <a:t>: “excluída </a:t>
+                      </a:r>
+                      <a:r>
+                        <a:rPr kumimoji="0" lang="pt-BR" altLang="pt-BR" sz="1400" b="1" i="0" u="none" strike="noStrike" cap="none" normalizeH="0" baseline="0" dirty="0">
+                          <a:ln>
+                            <a:noFill/>
+                          </a:ln>
+                          <a:solidFill>
+                            <a:srgbClr val="000000"/>
+                          </a:solidFill>
+                          <a:effectLst/>
+                          <a:latin typeface="Tahoma" pitchFamily="34" charset="0"/>
+                          <a:ea typeface="DejaVu Sans" charset="0"/>
+                          <a:cs typeface="DejaVu Sans" charset="0"/>
+                        </a:rPr>
+                        <a:t>com sucesso!”.</a:t>
                       </a:r>
                     </a:p>
                   </a:txBody>
